--- a/SEMESTER 5/[KAMIS] Pembelajaran Mesin/PERTAMA/UTS/docs/stack-overflow (end).pptx
+++ b/SEMESTER 5/[KAMIS] Pembelajaran Mesin/PERTAMA/UTS/docs/stack-overflow (end).pptx
@@ -208,7 +208,7 @@
           <a:p>
             <a:fld id="{EB74D300-933B-47B2-9026-A9E3CC641666}" type="datetimeFigureOut">
               <a:rPr lang="id-ID" smtClean="0"/>
-              <a:t>02/12/2022</a:t>
+              <a:t>07/12/2022</a:t>
             </a:fld>
             <a:endParaRPr lang="id-ID"/>
           </a:p>
@@ -688,7 +688,7 @@
           <a:p>
             <a:fld id="{E2944DA0-43AD-4088-A69D-8AC07C6097D8}" type="datetimeFigureOut">
               <a:rPr lang="en-US" smtClean="0"/>
-              <a:t>12/2/2022</a:t>
+              <a:t>12/7/2022</a:t>
             </a:fld>
             <a:endParaRPr lang="en-US"/>
           </a:p>
@@ -856,7 +856,7 @@
           <a:p>
             <a:fld id="{E2944DA0-43AD-4088-A69D-8AC07C6097D8}" type="datetimeFigureOut">
               <a:rPr lang="en-US" smtClean="0"/>
-              <a:t>12/2/2022</a:t>
+              <a:t>12/7/2022</a:t>
             </a:fld>
             <a:endParaRPr lang="en-US"/>
           </a:p>
@@ -1034,7 +1034,7 @@
           <a:p>
             <a:fld id="{E2944DA0-43AD-4088-A69D-8AC07C6097D8}" type="datetimeFigureOut">
               <a:rPr lang="en-US" smtClean="0"/>
-              <a:t>12/2/2022</a:t>
+              <a:t>12/7/2022</a:t>
             </a:fld>
             <a:endParaRPr lang="en-US"/>
           </a:p>
@@ -1202,7 +1202,7 @@
           <a:p>
             <a:fld id="{E2944DA0-43AD-4088-A69D-8AC07C6097D8}" type="datetimeFigureOut">
               <a:rPr lang="en-US" smtClean="0"/>
-              <a:t>12/2/2022</a:t>
+              <a:t>12/7/2022</a:t>
             </a:fld>
             <a:endParaRPr lang="en-US"/>
           </a:p>
@@ -1447,7 +1447,7 @@
           <a:p>
             <a:fld id="{E2944DA0-43AD-4088-A69D-8AC07C6097D8}" type="datetimeFigureOut">
               <a:rPr lang="en-US" smtClean="0"/>
-              <a:t>12/2/2022</a:t>
+              <a:t>12/7/2022</a:t>
             </a:fld>
             <a:endParaRPr lang="en-US"/>
           </a:p>
@@ -1676,7 +1676,7 @@
           <a:p>
             <a:fld id="{E2944DA0-43AD-4088-A69D-8AC07C6097D8}" type="datetimeFigureOut">
               <a:rPr lang="en-US" smtClean="0"/>
-              <a:t>12/2/2022</a:t>
+              <a:t>12/7/2022</a:t>
             </a:fld>
             <a:endParaRPr lang="en-US"/>
           </a:p>
@@ -2040,7 +2040,7 @@
           <a:p>
             <a:fld id="{E2944DA0-43AD-4088-A69D-8AC07C6097D8}" type="datetimeFigureOut">
               <a:rPr lang="en-US" smtClean="0"/>
-              <a:t>12/2/2022</a:t>
+              <a:t>12/7/2022</a:t>
             </a:fld>
             <a:endParaRPr lang="en-US"/>
           </a:p>
@@ -2157,7 +2157,7 @@
           <a:p>
             <a:fld id="{E2944DA0-43AD-4088-A69D-8AC07C6097D8}" type="datetimeFigureOut">
               <a:rPr lang="en-US" smtClean="0"/>
-              <a:t>12/2/2022</a:t>
+              <a:t>12/7/2022</a:t>
             </a:fld>
             <a:endParaRPr lang="en-US"/>
           </a:p>
@@ -2252,7 +2252,7 @@
           <a:p>
             <a:fld id="{E2944DA0-43AD-4088-A69D-8AC07C6097D8}" type="datetimeFigureOut">
               <a:rPr lang="en-US" smtClean="0"/>
-              <a:t>12/2/2022</a:t>
+              <a:t>12/7/2022</a:t>
             </a:fld>
             <a:endParaRPr lang="en-US"/>
           </a:p>
@@ -2527,7 +2527,7 @@
           <a:p>
             <a:fld id="{E2944DA0-43AD-4088-A69D-8AC07C6097D8}" type="datetimeFigureOut">
               <a:rPr lang="en-US" smtClean="0"/>
-              <a:t>12/2/2022</a:t>
+              <a:t>12/7/2022</a:t>
             </a:fld>
             <a:endParaRPr lang="en-US"/>
           </a:p>
@@ -2779,7 +2779,7 @@
           <a:p>
             <a:fld id="{E2944DA0-43AD-4088-A69D-8AC07C6097D8}" type="datetimeFigureOut">
               <a:rPr lang="en-US" smtClean="0"/>
-              <a:t>12/2/2022</a:t>
+              <a:t>12/7/2022</a:t>
             </a:fld>
             <a:endParaRPr lang="en-US"/>
           </a:p>
@@ -2993,7 +2993,7 @@
           <a:p>
             <a:fld id="{E2944DA0-43AD-4088-A69D-8AC07C6097D8}" type="datetimeFigureOut">
               <a:rPr lang="en-US" smtClean="0"/>
-              <a:t>12/2/2022</a:t>
+              <a:t>12/7/2022</a:t>
             </a:fld>
             <a:endParaRPr lang="en-US"/>
           </a:p>
@@ -4604,7 +4604,7 @@
         <p:spPr>
           <a:xfrm>
             <a:off x="341194" y="1339756"/>
-            <a:ext cx="11614245" cy="1384995"/>
+            <a:ext cx="11614245" cy="954107"/>
           </a:xfrm>
           <a:prstGeom prst="rect">
             <a:avLst/>
@@ -4618,7 +4618,7 @@
           <a:lstStyle/>
           <a:p>
             <a:r>
-              <a:rPr lang="en-US" sz="2800" b="1">
+              <a:rPr lang="en-US" sz="2800" b="1" dirty="0" err="1">
                 <a:solidFill>
                   <a:schemeClr val="accent1">
                     <a:lumMod val="20000"/>
@@ -4626,18 +4626,10 @@
                   </a:schemeClr>
                 </a:solidFill>
               </a:rPr>
-              <a:t>Menampilkan data </a:t>
-            </a:r>
-            <a:r>
-              <a:rPr lang="en-US" sz="2800" b="1">
-                <a:solidFill>
-                  <a:schemeClr val="accent4"/>
-                </a:solidFill>
-              </a:rPr>
-              <a:t>writing_code_year</a:t>
-            </a:r>
-            <a:r>
-              <a:rPr lang="en-US" sz="2800" b="1">
+              <a:t>Menampilkan</a:t>
+            </a:r>
+            <a:r>
+              <a:rPr lang="en-US" sz="2800" b="1" dirty="0">
                 <a:solidFill>
                   <a:schemeClr val="accent1">
                     <a:lumMod val="20000"/>
@@ -4645,10 +4637,10 @@
                   </a:schemeClr>
                 </a:solidFill>
               </a:rPr>
-              <a:t>, </a:t>
-            </a:r>
-            <a:r>
-              <a:rPr lang="en-US" sz="2800" b="1">
+              <a:t> data </a:t>
+            </a:r>
+            <a:r>
+              <a:rPr lang="en-US" sz="2800" b="1" dirty="0" err="1">
                 <a:solidFill>
                   <a:schemeClr val="accent4"/>
                 </a:solidFill>
@@ -4656,7 +4648,31 @@
               <a:t>educational_status</a:t>
             </a:r>
             <a:r>
-              <a:rPr lang="en-US" sz="2800" b="1">
+              <a:rPr lang="en-US" sz="2800" b="1" dirty="0">
+                <a:solidFill>
+                  <a:schemeClr val="bg1"/>
+                </a:solidFill>
+              </a:rPr>
+              <a:t>,</a:t>
+            </a:r>
+            <a:r>
+              <a:rPr lang="en-US" sz="2800" b="1" dirty="0">
+                <a:solidFill>
+                  <a:schemeClr val="accent4"/>
+                </a:solidFill>
+              </a:rPr>
+              <a:t> </a:t>
+            </a:r>
+            <a:r>
+              <a:rPr lang="en-US" sz="2800" b="1" dirty="0" err="1">
+                <a:solidFill>
+                  <a:schemeClr val="accent4"/>
+                </a:solidFill>
+              </a:rPr>
+              <a:t>current_role</a:t>
+            </a:r>
+            <a:r>
+              <a:rPr lang="en-US" sz="2800" b="1" dirty="0">
                 <a:solidFill>
                   <a:schemeClr val="accent1">
                     <a:lumMod val="20000"/>
@@ -4667,15 +4683,23 @@
               <a:t>, </a:t>
             </a:r>
             <a:r>
-              <a:rPr lang="en-US" sz="2800" b="1">
+              <a:rPr lang="en-US" sz="2800" b="1" dirty="0" err="1">
                 <a:solidFill>
                   <a:schemeClr val="accent4"/>
                 </a:solidFill>
               </a:rPr>
-              <a:t>current_role</a:t>
-            </a:r>
-            <a:r>
-              <a:rPr lang="en-US" sz="2800" b="1">
+              <a:t>current_industry</a:t>
+            </a:r>
+            <a:r>
+              <a:rPr lang="en-US" sz="2800" b="1" dirty="0">
+                <a:solidFill>
+                  <a:schemeClr val="accent4"/>
+                </a:solidFill>
+              </a:rPr>
+              <a:t> </a:t>
+            </a:r>
+            <a:r>
+              <a:rPr lang="en-US" sz="2800" b="1" dirty="0" err="1">
                 <a:solidFill>
                   <a:schemeClr val="accent1">
                     <a:lumMod val="20000"/>
@@ -4683,18 +4707,10 @@
                   </a:schemeClr>
                 </a:solidFill>
               </a:rPr>
-              <a:t>, </a:t>
-            </a:r>
-            <a:r>
-              <a:rPr lang="en-US" sz="2800" b="1">
-                <a:solidFill>
-                  <a:schemeClr val="accent4"/>
-                </a:solidFill>
-              </a:rPr>
-              <a:t>current_industry</a:t>
-            </a:r>
-            <a:r>
-              <a:rPr lang="en-US" sz="2800" b="1">
+              <a:t>berdasarkan</a:t>
+            </a:r>
+            <a:r>
+              <a:rPr lang="en-US" sz="2800" b="1" dirty="0">
                 <a:solidFill>
                   <a:schemeClr val="accent1">
                     <a:lumMod val="20000"/>
@@ -4702,18 +4718,66 @@
                   </a:schemeClr>
                 </a:solidFill>
               </a:rPr>
-              <a:t>, dan </a:t>
-            </a:r>
-            <a:r>
-              <a:rPr lang="en-US" sz="2800" b="1">
-                <a:solidFill>
-                  <a:schemeClr val="accent4"/>
-                </a:solidFill>
-              </a:rPr>
-              <a:t>favorite_media_sources </a:t>
-            </a:r>
-            <a:r>
-              <a:rPr lang="en-US" sz="2800" b="1">
+              <a:t> </a:t>
+            </a:r>
+            <a:r>
+              <a:rPr lang="en-US" sz="2800" b="1" dirty="0" err="1">
+                <a:solidFill>
+                  <a:srgbClr val="00B651"/>
+                </a:solidFill>
+              </a:rPr>
+              <a:t>Usia</a:t>
+            </a:r>
+            <a:r>
+              <a:rPr lang="en-US" sz="2800" b="1" dirty="0">
+                <a:solidFill>
+                  <a:srgbClr val="00B651"/>
+                </a:solidFill>
+              </a:rPr>
+              <a:t> </a:t>
+            </a:r>
+            <a:r>
+              <a:rPr lang="en-US" sz="2800" b="1" dirty="0" err="1">
+                <a:solidFill>
+                  <a:srgbClr val="00B651"/>
+                </a:solidFill>
+              </a:rPr>
+              <a:t>Remaja</a:t>
+            </a:r>
+            <a:r>
+              <a:rPr lang="en-US" sz="2800" b="1" dirty="0">
+                <a:solidFill>
+                  <a:schemeClr val="bg1"/>
+                </a:solidFill>
+              </a:rPr>
+              <a:t>,</a:t>
+            </a:r>
+            <a:r>
+              <a:rPr lang="en-US" sz="2800" b="1" dirty="0">
+                <a:solidFill>
+                  <a:srgbClr val="00B651"/>
+                </a:solidFill>
+              </a:rPr>
+              <a:t> </a:t>
+            </a:r>
+            <a:r>
+              <a:rPr lang="en-US" sz="2800" b="1" dirty="0" err="1">
+                <a:solidFill>
+                  <a:srgbClr val="00B651"/>
+                </a:solidFill>
+              </a:rPr>
+              <a:t>current_role</a:t>
+            </a:r>
+            <a:r>
+              <a:rPr lang="en-US" sz="2800" b="1" dirty="0">
+                <a:solidFill>
+                  <a:srgbClr val="00B651"/>
+                </a:solidFill>
+              </a:rPr>
+              <a:t> </a:t>
+            </a:r>
+            <a:r>
+              <a:rPr lang="en-US" sz="2800" b="1" dirty="0">
                 <a:solidFill>
                   <a:schemeClr val="accent1">
                     <a:lumMod val="20000"/>
@@ -4721,94 +4785,18 @@
                   </a:schemeClr>
                 </a:solidFill>
               </a:rPr>
-              <a:t>berdasarkan (</a:t>
-            </a:r>
-            <a:r>
-              <a:rPr lang="en-US" sz="2800" b="1">
+              <a:t>dan </a:t>
+            </a:r>
+            <a:r>
+              <a:rPr lang="en-US" sz="2800" b="1" dirty="0">
                 <a:solidFill>
                   <a:srgbClr val="00B651"/>
                 </a:solidFill>
               </a:rPr>
-              <a:t>age</a:t>
-            </a:r>
-            <a:r>
-              <a:rPr lang="en-US" sz="2800" b="1">
-                <a:solidFill>
-                  <a:schemeClr val="accent1">
-                    <a:lumMod val="20000"/>
-                    <a:lumOff val="80000"/>
-                  </a:schemeClr>
-                </a:solidFill>
-              </a:rPr>
-              <a:t> &lt; 20, </a:t>
-            </a:r>
-            <a:r>
-              <a:rPr lang="en-US" sz="2800" b="1">
-                <a:solidFill>
-                  <a:srgbClr val="00B651"/>
-                </a:solidFill>
-              </a:rPr>
-              <a:t>age</a:t>
-            </a:r>
-            <a:r>
-              <a:rPr lang="en-US" sz="2800" b="1">
-                <a:solidFill>
-                  <a:schemeClr val="accent1">
-                    <a:lumMod val="20000"/>
-                    <a:lumOff val="80000"/>
-                  </a:schemeClr>
-                </a:solidFill>
-              </a:rPr>
-              <a:t> 20 – </a:t>
-            </a:r>
-            <a:r>
-              <a:rPr lang="en-US" sz="2800" b="1">
-                <a:solidFill>
-                  <a:srgbClr val="00B651"/>
-                </a:solidFill>
-              </a:rPr>
-              <a:t>age</a:t>
-            </a:r>
-            <a:r>
-              <a:rPr lang="en-US" sz="2800" b="1">
-                <a:solidFill>
-                  <a:schemeClr val="accent1">
-                    <a:lumMod val="20000"/>
-                    <a:lumOff val="80000"/>
-                  </a:schemeClr>
-                </a:solidFill>
-              </a:rPr>
-              <a:t> 30, dan </a:t>
-            </a:r>
-            <a:r>
-              <a:rPr lang="en-US" sz="2800" b="1">
-                <a:solidFill>
-                  <a:srgbClr val="00B651"/>
-                </a:solidFill>
-              </a:rPr>
-              <a:t>age</a:t>
-            </a:r>
-            <a:r>
-              <a:rPr lang="en-US" sz="2800" b="1">
-                <a:solidFill>
-                  <a:schemeClr val="accent1">
-                    <a:lumMod val="20000"/>
-                    <a:lumOff val="80000"/>
-                  </a:schemeClr>
-                </a:solidFill>
-              </a:rPr>
-              <a:t> &gt; 30 ) dan </a:t>
-            </a:r>
-            <a:r>
-              <a:rPr lang="en-US" sz="2800" b="1">
-                <a:solidFill>
-                  <a:srgbClr val="00B651"/>
-                </a:solidFill>
-              </a:rPr>
               <a:t>gender</a:t>
             </a:r>
             <a:r>
-              <a:rPr lang="en-US" sz="2800" b="1">
+              <a:rPr lang="en-US" sz="2800" b="1" dirty="0">
                 <a:solidFill>
                   <a:schemeClr val="accent1">
                     <a:lumMod val="20000"/>
@@ -6318,7 +6306,7 @@
                     <a:p>
                       <a:pPr algn="ctr"/>
                       <a:r>
-                        <a:rPr lang="en-US"/>
+                        <a:rPr lang="en-US" dirty="0"/>
                         <a:t>age</a:t>
                       </a:r>
                     </a:p>
@@ -6435,7 +6423,7 @@
                     <a:p>
                       <a:pPr algn="ctr"/>
                       <a:r>
-                        <a:rPr lang="en-US"/>
+                        <a:rPr lang="en-US" dirty="0"/>
                         <a:t>gender</a:t>
                       </a:r>
                     </a:p>
@@ -6677,9 +6665,10 @@
                     <a:p>
                       <a:pPr algn="ctr"/>
                       <a:r>
-                        <a:rPr lang="en-US"/>
+                        <a:rPr lang="en-US" dirty="0" err="1"/>
                         <a:t>educational_status</a:t>
                       </a:r>
+                      <a:endParaRPr lang="en-US" dirty="0"/>
                     </a:p>
                   </a:txBody>
                   <a:tcPr anchor="ctr">
@@ -6903,9 +6892,10 @@
                     <a:p>
                       <a:pPr algn="ctr"/>
                       <a:r>
-                        <a:rPr lang="en-US"/>
+                        <a:rPr lang="en-US" dirty="0" err="1"/>
                         <a:t>writing_code_year</a:t>
                       </a:r>
+                      <a:endParaRPr lang="en-US" dirty="0"/>
                     </a:p>
                   </a:txBody>
                   <a:tcPr anchor="ctr">
@@ -6954,8 +6944,40 @@
                     <a:p>
                       <a:pPr algn="ctr"/>
                       <a:r>
-                        <a:rPr lang="en-US"/>
-                        <a:t>Berapa tahun sudah sering menulis code</a:t>
+                        <a:rPr lang="en-US" dirty="0"/>
+                        <a:t>Berapa </a:t>
+                      </a:r>
+                      <a:r>
+                        <a:rPr lang="en-US" dirty="0" err="1"/>
+                        <a:t>tahun</a:t>
+                      </a:r>
+                      <a:r>
+                        <a:rPr lang="en-US" dirty="0"/>
+                        <a:t> </a:t>
+                      </a:r>
+                      <a:r>
+                        <a:rPr lang="en-US" dirty="0" err="1"/>
+                        <a:t>sudah</a:t>
+                      </a:r>
+                      <a:r>
+                        <a:rPr lang="en-US" dirty="0"/>
+                        <a:t> </a:t>
+                      </a:r>
+                      <a:r>
+                        <a:rPr lang="en-US" dirty="0" err="1"/>
+                        <a:t>sering</a:t>
+                      </a:r>
+                      <a:r>
+                        <a:rPr lang="en-US" dirty="0"/>
+                        <a:t> </a:t>
+                      </a:r>
+                      <a:r>
+                        <a:rPr lang="en-US" dirty="0" err="1"/>
+                        <a:t>menulis</a:t>
+                      </a:r>
+                      <a:r>
+                        <a:rPr lang="en-US" dirty="0"/>
+                        <a:t> code</a:t>
                       </a:r>
                     </a:p>
                   </a:txBody>
@@ -7181,8 +7203,12 @@
                     <a:p>
                       <a:pPr algn="ctr"/>
                       <a:r>
-                        <a:rPr lang="en-US"/>
-                        <a:t>current_role </a:t>
+                        <a:rPr lang="en-US" dirty="0" err="1"/>
+                        <a:t>current_role</a:t>
+                      </a:r>
+                      <a:r>
+                        <a:rPr lang="en-US" dirty="0"/>
+                        <a:t> </a:t>
                       </a:r>
                     </a:p>
                   </a:txBody>
@@ -7362,14 +7388,22 @@
                         <a:defRPr/>
                       </a:pPr>
                       <a:r>
-                        <a:rPr lang="en-US"/>
-                        <a:t>Industry saat</a:t>
+                        <a:rPr lang="en-US" dirty="0"/>
+                        <a:t>Industry </a:t>
                       </a:r>
                       <a:r>
-                        <a:rPr lang="en-US" baseline="0"/>
-                        <a:t> ini</a:t>
+                        <a:rPr lang="en-US" dirty="0" err="1"/>
+                        <a:t>saat</a:t>
                       </a:r>
-                      <a:endParaRPr lang="en-US"/>
+                      <a:r>
+                        <a:rPr lang="en-US" baseline="0" dirty="0"/>
+                        <a:t> </a:t>
+                      </a:r>
+                      <a:r>
+                        <a:rPr lang="en-US" baseline="0" dirty="0" err="1"/>
+                        <a:t>ini</a:t>
+                      </a:r>
+                      <a:endParaRPr lang="en-US" dirty="0"/>
                     </a:p>
                   </a:txBody>
                   <a:tcPr anchor="ctr">
@@ -7558,7 +7592,13 @@
       </p:sp>
       <p:pic>
         <p:nvPicPr>
-          <p:cNvPr id="2" name="Picture 1"/>
+          <p:cNvPr id="7" name="Picture 6">
+            <a:extLst>
+              <a:ext uri="{FF2B5EF4-FFF2-40B4-BE49-F238E27FC236}">
+                <a16:creationId xmlns:a16="http://schemas.microsoft.com/office/drawing/2014/main" id="{309DDD4B-4E0D-62C5-9935-7BBA09CEA520}"/>
+              </a:ext>
+            </a:extLst>
+          </p:cNvPr>
           <p:cNvPicPr>
             <a:picLocks noChangeAspect="1"/>
           </p:cNvPicPr>
@@ -7572,8 +7612,8 @@
         </p:blipFill>
         <p:spPr>
           <a:xfrm>
-            <a:off x="6148316" y="1579281"/>
-            <a:ext cx="5562600" cy="4314825"/>
+            <a:off x="5991360" y="1579281"/>
+            <a:ext cx="5591175" cy="4314825"/>
           </a:xfrm>
           <a:prstGeom prst="rect">
             <a:avLst/>
@@ -7582,7 +7622,13 @@
       </p:pic>
       <p:pic>
         <p:nvPicPr>
-          <p:cNvPr id="3" name="Picture 2"/>
+          <p:cNvPr id="9" name="Picture 8">
+            <a:extLst>
+              <a:ext uri="{FF2B5EF4-FFF2-40B4-BE49-F238E27FC236}">
+                <a16:creationId xmlns:a16="http://schemas.microsoft.com/office/drawing/2014/main" id="{98484A2D-0EFE-AF1C-EDAA-87DEA27355DE}"/>
+              </a:ext>
+            </a:extLst>
+          </p:cNvPr>
           <p:cNvPicPr>
             <a:picLocks noChangeAspect="1"/>
           </p:cNvPicPr>
@@ -7596,8 +7642,8 @@
         </p:blipFill>
         <p:spPr>
           <a:xfrm>
-            <a:off x="677122" y="4190481"/>
-            <a:ext cx="4016493" cy="1703625"/>
+            <a:off x="1036592" y="4282902"/>
+            <a:ext cx="4022454" cy="1611204"/>
           </a:xfrm>
           <a:prstGeom prst="rect">
             <a:avLst/>
@@ -7760,10 +7806,10 @@
       </p:sp>
       <p:pic>
         <p:nvPicPr>
-          <p:cNvPr id="3" name="Gambar 2">
+          <p:cNvPr id="8" name="Picture 7">
             <a:extLst>
               <a:ext uri="{FF2B5EF4-FFF2-40B4-BE49-F238E27FC236}">
-                <a16:creationId xmlns:a16="http://schemas.microsoft.com/office/drawing/2014/main" id="{957273F1-2715-4DDB-A129-78F816211231}"/>
+                <a16:creationId xmlns:a16="http://schemas.microsoft.com/office/drawing/2014/main" id="{79A91921-2F4A-4632-1C11-AEA4ED38EE40}"/>
               </a:ext>
             </a:extLst>
           </p:cNvPr>
@@ -7780,7 +7826,7 @@
         </p:blipFill>
         <p:spPr>
           <a:xfrm>
-            <a:off x="5727989" y="1339756"/>
+            <a:off x="5594985" y="1339755"/>
             <a:ext cx="6000750" cy="4476750"/>
           </a:xfrm>
           <a:prstGeom prst="rect">

--- a/SEMESTER 5/[KAMIS] Pembelajaran Mesin/PERTAMA/UTS/docs/stack-overflow (end).pptx
+++ b/SEMESTER 5/[KAMIS] Pembelajaran Mesin/PERTAMA/UTS/docs/stack-overflow (end).pptx
@@ -5,7 +5,7 @@
     <p:sldMasterId id="2147483648" r:id="rId1"/>
   </p:sldMasterIdLst>
   <p:notesMasterIdLst>
-    <p:notesMasterId r:id="rId14"/>
+    <p:notesMasterId r:id="rId18"/>
   </p:notesMasterIdLst>
   <p:sldIdLst>
     <p:sldId id="257" r:id="rId2"/>
@@ -20,6 +20,10 @@
     <p:sldId id="265" r:id="rId11"/>
     <p:sldId id="266" r:id="rId12"/>
     <p:sldId id="268" r:id="rId13"/>
+    <p:sldId id="270" r:id="rId14"/>
+    <p:sldId id="271" r:id="rId15"/>
+    <p:sldId id="273" r:id="rId16"/>
+    <p:sldId id="272" r:id="rId17"/>
   </p:sldIdLst>
   <p:sldSz cx="12192000" cy="6858000"/>
   <p:notesSz cx="6858000" cy="9144000"/>
@@ -208,7 +212,7 @@
           <a:p>
             <a:fld id="{EB74D300-933B-47B2-9026-A9E3CC641666}" type="datetimeFigureOut">
               <a:rPr lang="id-ID" smtClean="0"/>
-              <a:t>07/12/2022</a:t>
+              <a:t>11/12/2022</a:t>
             </a:fld>
             <a:endParaRPr lang="id-ID"/>
           </a:p>
@@ -688,7 +692,7 @@
           <a:p>
             <a:fld id="{E2944DA0-43AD-4088-A69D-8AC07C6097D8}" type="datetimeFigureOut">
               <a:rPr lang="en-US" smtClean="0"/>
-              <a:t>12/7/2022</a:t>
+              <a:t>12/11/2022</a:t>
             </a:fld>
             <a:endParaRPr lang="en-US"/>
           </a:p>
@@ -856,7 +860,7 @@
           <a:p>
             <a:fld id="{E2944DA0-43AD-4088-A69D-8AC07C6097D8}" type="datetimeFigureOut">
               <a:rPr lang="en-US" smtClean="0"/>
-              <a:t>12/7/2022</a:t>
+              <a:t>12/11/2022</a:t>
             </a:fld>
             <a:endParaRPr lang="en-US"/>
           </a:p>
@@ -1034,7 +1038,7 @@
           <a:p>
             <a:fld id="{E2944DA0-43AD-4088-A69D-8AC07C6097D8}" type="datetimeFigureOut">
               <a:rPr lang="en-US" smtClean="0"/>
-              <a:t>12/7/2022</a:t>
+              <a:t>12/11/2022</a:t>
             </a:fld>
             <a:endParaRPr lang="en-US"/>
           </a:p>
@@ -1202,7 +1206,7 @@
           <a:p>
             <a:fld id="{E2944DA0-43AD-4088-A69D-8AC07C6097D8}" type="datetimeFigureOut">
               <a:rPr lang="en-US" smtClean="0"/>
-              <a:t>12/7/2022</a:t>
+              <a:t>12/11/2022</a:t>
             </a:fld>
             <a:endParaRPr lang="en-US"/>
           </a:p>
@@ -1447,7 +1451,7 @@
           <a:p>
             <a:fld id="{E2944DA0-43AD-4088-A69D-8AC07C6097D8}" type="datetimeFigureOut">
               <a:rPr lang="en-US" smtClean="0"/>
-              <a:t>12/7/2022</a:t>
+              <a:t>12/11/2022</a:t>
             </a:fld>
             <a:endParaRPr lang="en-US"/>
           </a:p>
@@ -1676,7 +1680,7 @@
           <a:p>
             <a:fld id="{E2944DA0-43AD-4088-A69D-8AC07C6097D8}" type="datetimeFigureOut">
               <a:rPr lang="en-US" smtClean="0"/>
-              <a:t>12/7/2022</a:t>
+              <a:t>12/11/2022</a:t>
             </a:fld>
             <a:endParaRPr lang="en-US"/>
           </a:p>
@@ -2040,7 +2044,7 @@
           <a:p>
             <a:fld id="{E2944DA0-43AD-4088-A69D-8AC07C6097D8}" type="datetimeFigureOut">
               <a:rPr lang="en-US" smtClean="0"/>
-              <a:t>12/7/2022</a:t>
+              <a:t>12/11/2022</a:t>
             </a:fld>
             <a:endParaRPr lang="en-US"/>
           </a:p>
@@ -2157,7 +2161,7 @@
           <a:p>
             <a:fld id="{E2944DA0-43AD-4088-A69D-8AC07C6097D8}" type="datetimeFigureOut">
               <a:rPr lang="en-US" smtClean="0"/>
-              <a:t>12/7/2022</a:t>
+              <a:t>12/11/2022</a:t>
             </a:fld>
             <a:endParaRPr lang="en-US"/>
           </a:p>
@@ -2252,7 +2256,7 @@
           <a:p>
             <a:fld id="{E2944DA0-43AD-4088-A69D-8AC07C6097D8}" type="datetimeFigureOut">
               <a:rPr lang="en-US" smtClean="0"/>
-              <a:t>12/7/2022</a:t>
+              <a:t>12/11/2022</a:t>
             </a:fld>
             <a:endParaRPr lang="en-US"/>
           </a:p>
@@ -2527,7 +2531,7 @@
           <a:p>
             <a:fld id="{E2944DA0-43AD-4088-A69D-8AC07C6097D8}" type="datetimeFigureOut">
               <a:rPr lang="en-US" smtClean="0"/>
-              <a:t>12/7/2022</a:t>
+              <a:t>12/11/2022</a:t>
             </a:fld>
             <a:endParaRPr lang="en-US"/>
           </a:p>
@@ -2779,7 +2783,7 @@
           <a:p>
             <a:fld id="{E2944DA0-43AD-4088-A69D-8AC07C6097D8}" type="datetimeFigureOut">
               <a:rPr lang="en-US" smtClean="0"/>
-              <a:t>12/7/2022</a:t>
+              <a:t>12/11/2022</a:t>
             </a:fld>
             <a:endParaRPr lang="en-US"/>
           </a:p>
@@ -2993,7 +2997,7 @@
           <a:p>
             <a:fld id="{E2944DA0-43AD-4088-A69D-8AC07C6097D8}" type="datetimeFigureOut">
               <a:rPr lang="en-US" smtClean="0"/>
-              <a:t>12/7/2022</a:t>
+              <a:t>12/11/2022</a:t>
             </a:fld>
             <a:endParaRPr lang="en-US"/>
           </a:p>
@@ -4603,8 +4607,8 @@
         </p:nvSpPr>
         <p:spPr>
           <a:xfrm>
-            <a:off x="341194" y="1339756"/>
-            <a:ext cx="11614245" cy="954107"/>
+            <a:off x="341194" y="2521059"/>
+            <a:ext cx="4315211" cy="1815882"/>
           </a:xfrm>
           <a:prstGeom prst="rect">
             <a:avLst/>
@@ -4618,7 +4622,7 @@
           <a:lstStyle/>
           <a:p>
             <a:r>
-              <a:rPr lang="en-US" sz="2800" b="1" dirty="0" err="1">
+              <a:rPr lang="en-US" sz="2800" b="1">
                 <a:solidFill>
                   <a:schemeClr val="accent1">
                     <a:lumMod val="20000"/>
@@ -4626,10 +4630,18 @@
                   </a:schemeClr>
                 </a:solidFill>
               </a:rPr>
-              <a:t>Menampilkan</a:t>
-            </a:r>
-            <a:r>
-              <a:rPr lang="en-US" sz="2800" b="1" dirty="0">
+              <a:t>Menampilkan data </a:t>
+            </a:r>
+            <a:r>
+              <a:rPr lang="en-US" sz="2800" b="1">
+                <a:solidFill>
+                  <a:srgbClr val="FFFF00"/>
+                </a:solidFill>
+              </a:rPr>
+              <a:t>educational_status</a:t>
+            </a:r>
+            <a:r>
+              <a:rPr lang="en-US" sz="2800" b="1">
                 <a:solidFill>
                   <a:schemeClr val="accent1">
                     <a:lumMod val="20000"/>
@@ -4637,178 +4649,54 @@
                   </a:schemeClr>
                 </a:solidFill>
               </a:rPr>
-              <a:t> data </a:t>
-            </a:r>
-            <a:r>
-              <a:rPr lang="en-US" sz="2800" b="1" dirty="0" err="1">
-                <a:solidFill>
-                  <a:schemeClr val="accent4"/>
-                </a:solidFill>
-              </a:rPr>
-              <a:t>educational_status</a:t>
-            </a:r>
-            <a:r>
-              <a:rPr lang="en-US" sz="2800" b="1" dirty="0">
-                <a:solidFill>
-                  <a:schemeClr val="bg1"/>
-                </a:solidFill>
-              </a:rPr>
-              <a:t>,</a:t>
-            </a:r>
-            <a:r>
-              <a:rPr lang="en-US" sz="2800" b="1" dirty="0">
-                <a:solidFill>
-                  <a:schemeClr val="accent4"/>
-                </a:solidFill>
-              </a:rPr>
-              <a:t> </a:t>
-            </a:r>
-            <a:r>
-              <a:rPr lang="en-US" sz="2800" b="1" dirty="0" err="1">
-                <a:solidFill>
-                  <a:schemeClr val="accent4"/>
-                </a:solidFill>
-              </a:rPr>
-              <a:t>current_role</a:t>
-            </a:r>
-            <a:r>
-              <a:rPr lang="en-US" sz="2800" b="1" dirty="0">
-                <a:solidFill>
-                  <a:schemeClr val="accent1">
-                    <a:lumMod val="20000"/>
-                    <a:lumOff val="80000"/>
-                  </a:schemeClr>
-                </a:solidFill>
-              </a:rPr>
-              <a:t>, </a:t>
-            </a:r>
-            <a:r>
-              <a:rPr lang="en-US" sz="2800" b="1" dirty="0" err="1">
-                <a:solidFill>
-                  <a:schemeClr val="accent4"/>
+              <a:t> berdasarkan </a:t>
+            </a:r>
+            <a:r>
+              <a:rPr lang="en-US" sz="2800" b="1">
+                <a:solidFill>
+                  <a:srgbClr val="00B050"/>
                 </a:solidFill>
               </a:rPr>
               <a:t>current_industry</a:t>
             </a:r>
-            <a:r>
-              <a:rPr lang="en-US" sz="2800" b="1" dirty="0">
-                <a:solidFill>
-                  <a:schemeClr val="accent4"/>
-                </a:solidFill>
-              </a:rPr>
-              <a:t> </a:t>
-            </a:r>
-            <a:r>
-              <a:rPr lang="en-US" sz="2800" b="1" dirty="0" err="1">
-                <a:solidFill>
-                  <a:schemeClr val="accent1">
-                    <a:lumMod val="20000"/>
-                    <a:lumOff val="80000"/>
-                  </a:schemeClr>
-                </a:solidFill>
-              </a:rPr>
-              <a:t>berdasarkan</a:t>
-            </a:r>
-            <a:r>
-              <a:rPr lang="en-US" sz="2800" b="1" dirty="0">
-                <a:solidFill>
-                  <a:schemeClr val="accent1">
-                    <a:lumMod val="20000"/>
-                    <a:lumOff val="80000"/>
-                  </a:schemeClr>
-                </a:solidFill>
-              </a:rPr>
-              <a:t> </a:t>
-            </a:r>
-            <a:r>
-              <a:rPr lang="en-US" sz="2800" b="1" dirty="0" err="1">
-                <a:solidFill>
-                  <a:srgbClr val="00B651"/>
-                </a:solidFill>
-              </a:rPr>
-              <a:t>Usia</a:t>
-            </a:r>
-            <a:r>
-              <a:rPr lang="en-US" sz="2800" b="1" dirty="0">
-                <a:solidFill>
-                  <a:srgbClr val="00B651"/>
-                </a:solidFill>
-              </a:rPr>
-              <a:t> </a:t>
-            </a:r>
-            <a:r>
-              <a:rPr lang="en-US" sz="2800" b="1" dirty="0" err="1">
-                <a:solidFill>
-                  <a:srgbClr val="00B651"/>
-                </a:solidFill>
-              </a:rPr>
-              <a:t>Remaja</a:t>
-            </a:r>
-            <a:r>
-              <a:rPr lang="en-US" sz="2800" b="1" dirty="0">
-                <a:solidFill>
-                  <a:schemeClr val="bg1"/>
-                </a:solidFill>
-              </a:rPr>
-              <a:t>,</a:t>
-            </a:r>
-            <a:r>
-              <a:rPr lang="en-US" sz="2800" b="1" dirty="0">
-                <a:solidFill>
-                  <a:srgbClr val="00B651"/>
-                </a:solidFill>
-              </a:rPr>
-              <a:t> </a:t>
-            </a:r>
-            <a:r>
-              <a:rPr lang="en-US" sz="2800" b="1" dirty="0" err="1">
-                <a:solidFill>
-                  <a:srgbClr val="00B651"/>
-                </a:solidFill>
-              </a:rPr>
-              <a:t>current_role</a:t>
-            </a:r>
-            <a:r>
-              <a:rPr lang="en-US" sz="2800" b="1" dirty="0">
-                <a:solidFill>
-                  <a:srgbClr val="00B651"/>
-                </a:solidFill>
-              </a:rPr>
-              <a:t> </a:t>
-            </a:r>
-            <a:r>
-              <a:rPr lang="en-US" sz="2800" b="1" dirty="0">
-                <a:solidFill>
-                  <a:schemeClr val="accent1">
-                    <a:lumMod val="20000"/>
-                    <a:lumOff val="80000"/>
-                  </a:schemeClr>
-                </a:solidFill>
-              </a:rPr>
-              <a:t>dan </a:t>
-            </a:r>
-            <a:r>
-              <a:rPr lang="en-US" sz="2800" b="1" dirty="0">
-                <a:solidFill>
-                  <a:srgbClr val="00B651"/>
-                </a:solidFill>
-              </a:rPr>
-              <a:t>gender</a:t>
-            </a:r>
-            <a:r>
-              <a:rPr lang="en-US" sz="2800" b="1" dirty="0">
-                <a:solidFill>
-                  <a:schemeClr val="accent1">
-                    <a:lumMod val="20000"/>
-                    <a:lumOff val="80000"/>
-                  </a:schemeClr>
-                </a:solidFill>
-              </a:rPr>
-              <a:t>.</a:t>
-            </a:r>
-          </a:p>
-        </p:txBody>
-      </p:sp>
+            <a:endParaRPr lang="en-US" sz="2800" b="1" dirty="0">
+              <a:solidFill>
+                <a:srgbClr val="00B050"/>
+              </a:solidFill>
+            </a:endParaRPr>
+          </a:p>
+        </p:txBody>
+      </p:sp>
+      <p:pic>
+        <p:nvPicPr>
+          <p:cNvPr id="8" name="Picture 7">
+            <a:extLst>
+              <a:ext uri="{FF2B5EF4-FFF2-40B4-BE49-F238E27FC236}">
+                <a16:creationId xmlns:a16="http://schemas.microsoft.com/office/drawing/2014/main" id="{E14FB78F-DF09-4375-BA4D-5109005E7B88}"/>
+              </a:ext>
+            </a:extLst>
+          </p:cNvPr>
+          <p:cNvPicPr>
+            <a:picLocks noChangeAspect="1"/>
+          </p:cNvPicPr>
+          <p:nvPr/>
+        </p:nvPicPr>
+        <p:blipFill>
+          <a:blip r:embed="rId3"/>
+          <a:stretch>
+            <a:fillRect/>
+          </a:stretch>
+        </p:blipFill>
+        <p:spPr>
+          <a:xfrm>
+            <a:off x="4221495" y="1194898"/>
+            <a:ext cx="7215330" cy="5308260"/>
+          </a:xfrm>
+          <a:prstGeom prst="rect">
+            <a:avLst/>
+          </a:prstGeom>
+        </p:spPr>
+      </p:pic>
     </p:spTree>
     <p:extLst>
       <p:ext uri="{BB962C8B-B14F-4D97-AF65-F5344CB8AC3E}">
@@ -4897,8 +4785,8 @@
         </p:nvSpPr>
         <p:spPr>
           <a:xfrm>
-            <a:off x="341194" y="1339756"/>
-            <a:ext cx="11614245" cy="954107"/>
+            <a:off x="341194" y="2521059"/>
+            <a:ext cx="4788019" cy="1815882"/>
           </a:xfrm>
           <a:prstGeom prst="rect">
             <a:avLst/>
@@ -4925,10 +4813,10 @@
             <a:r>
               <a:rPr lang="en-US" sz="2800" b="1">
                 <a:solidFill>
-                  <a:schemeClr val="accent4"/>
-                </a:solidFill>
-              </a:rPr>
-              <a:t>educational_status</a:t>
+                  <a:srgbClr val="FFFF00"/>
+                </a:solidFill>
+              </a:rPr>
+              <a:t>writing_code_year </a:t>
             </a:r>
             <a:r>
               <a:rPr lang="en-US" sz="2800" b="1">
@@ -4939,87 +4827,49 @@
                   </a:schemeClr>
                 </a:solidFill>
               </a:rPr>
-              <a:t>, </a:t>
+              <a:t>berdasarkan </a:t>
             </a:r>
             <a:r>
               <a:rPr lang="en-US" sz="2800" b="1">
                 <a:solidFill>
-                  <a:schemeClr val="accent4"/>
-                </a:solidFill>
-              </a:rPr>
-              <a:t>current_role</a:t>
-            </a:r>
-            <a:r>
-              <a:rPr lang="en-US" sz="2800" b="1">
-                <a:solidFill>
-                  <a:schemeClr val="accent1">
-                    <a:lumMod val="20000"/>
-                    <a:lumOff val="80000"/>
-                  </a:schemeClr>
-                </a:solidFill>
-              </a:rPr>
-              <a:t>, </a:t>
-            </a:r>
-            <a:r>
-              <a:rPr lang="en-US" sz="2800" b="1">
-                <a:solidFill>
-                  <a:schemeClr val="accent4"/>
-                </a:solidFill>
-              </a:rPr>
-              <a:t>current_industry</a:t>
-            </a:r>
-            <a:r>
-              <a:rPr lang="en-US" sz="2800" b="1">
-                <a:solidFill>
-                  <a:schemeClr val="accent1">
-                    <a:lumMod val="20000"/>
-                    <a:lumOff val="80000"/>
-                  </a:schemeClr>
-                </a:solidFill>
-              </a:rPr>
-              <a:t>, dan </a:t>
-            </a:r>
-            <a:r>
-              <a:rPr lang="en-US" sz="2800" b="1">
-                <a:solidFill>
-                  <a:schemeClr val="accent4"/>
-                </a:solidFill>
-              </a:rPr>
-              <a:t>age </a:t>
-            </a:r>
-            <a:r>
-              <a:rPr lang="en-US" sz="2800" b="1">
-                <a:solidFill>
-                  <a:schemeClr val="accent1">
-                    <a:lumMod val="20000"/>
-                    <a:lumOff val="80000"/>
-                  </a:schemeClr>
-                </a:solidFill>
-              </a:rPr>
-              <a:t>berdasarkan </a:t>
-            </a:r>
-            <a:r>
-              <a:rPr lang="en-US" sz="2800" b="1">
-                <a:solidFill>
-                  <a:srgbClr val="00B651"/>
-                </a:solidFill>
-              </a:rPr>
-              <a:t>platforms_courses</a:t>
-            </a:r>
-            <a:r>
-              <a:rPr lang="en-US" sz="2800" b="1">
-                <a:solidFill>
-                  <a:schemeClr val="accent1">
-                    <a:lumMod val="20000"/>
-                    <a:lumOff val="80000"/>
-                  </a:schemeClr>
-                </a:solidFill>
-              </a:rPr>
-              <a:t>.</a:t>
-            </a:r>
-          </a:p>
-        </p:txBody>
-      </p:sp>
+                  <a:srgbClr val="00B050"/>
+                </a:solidFill>
+              </a:rPr>
+              <a:t>current_industry (Computers/Technology)</a:t>
+            </a:r>
+          </a:p>
+        </p:txBody>
+      </p:sp>
+      <p:pic>
+        <p:nvPicPr>
+          <p:cNvPr id="3" name="Picture 2">
+            <a:extLst>
+              <a:ext uri="{FF2B5EF4-FFF2-40B4-BE49-F238E27FC236}">
+                <a16:creationId xmlns:a16="http://schemas.microsoft.com/office/drawing/2014/main" id="{74163A83-15A7-415C-8C91-5D5D020B0E07}"/>
+              </a:ext>
+            </a:extLst>
+          </p:cNvPr>
+          <p:cNvPicPr>
+            <a:picLocks noChangeAspect="1"/>
+          </p:cNvPicPr>
+          <p:nvPr/>
+        </p:nvPicPr>
+        <p:blipFill>
+          <a:blip r:embed="rId3"/>
+          <a:stretch>
+            <a:fillRect/>
+          </a:stretch>
+        </p:blipFill>
+        <p:spPr>
+          <a:xfrm>
+            <a:off x="5253714" y="1339756"/>
+            <a:ext cx="6447502" cy="4772415"/>
+          </a:xfrm>
+          <a:prstGeom prst="rect">
+            <a:avLst/>
+          </a:prstGeom>
+        </p:spPr>
+      </p:pic>
     </p:spTree>
     <p:extLst>
       <p:ext uri="{BB962C8B-B14F-4D97-AF65-F5344CB8AC3E}">
@@ -5095,7 +4945,7 @@
                   </a:schemeClr>
                 </a:solidFill>
               </a:rPr>
-              <a:t>Prediksi dan Visualisasi kolom ( 1/1 )</a:t>
+              <a:t>Insight Pada Dataset Dari (1/5)</a:t>
             </a:r>
           </a:p>
         </p:txBody>
@@ -5108,8 +4958,8 @@
         </p:nvSpPr>
         <p:spPr>
           <a:xfrm>
-            <a:off x="341194" y="1339756"/>
-            <a:ext cx="11614245" cy="1384995"/>
+            <a:off x="341194" y="1536174"/>
+            <a:ext cx="11614245" cy="3785652"/>
           </a:xfrm>
           <a:prstGeom prst="rect">
             <a:avLst/>
@@ -5122,8 +4972,9 @@
           </a:bodyPr>
           <a:lstStyle/>
           <a:p>
-            <a:r>
-              <a:rPr lang="en-US" sz="2800" b="1">
+            <a:pPr algn="just"/>
+            <a:r>
+              <a:rPr lang="en-US" sz="2400" b="1">
                 <a:solidFill>
                   <a:schemeClr val="accent1">
                     <a:lumMod val="20000"/>
@@ -5131,18 +4982,24 @@
                   </a:schemeClr>
                 </a:solidFill>
               </a:rPr>
-              <a:t>Memprediksi data </a:t>
-            </a:r>
-            <a:r>
-              <a:rPr lang="en-US" sz="2800" b="1">
-                <a:solidFill>
-                  <a:schemeClr val="accent4"/>
-                </a:solidFill>
-              </a:rPr>
-              <a:t>current_role</a:t>
-            </a:r>
-            <a:r>
-              <a:rPr lang="en-US" sz="2800" b="1">
+              <a:t>Pertumbuhan duunia teknologi di India adalah yang tercepat di dunia pada saat ini. Selama 10 tahun terakhir, pengguna internet meningkat dari 10 juta menjadi 100 juta pengguna. Lonjakan ini tidak akan berhenti begitu saja, karena India merupakan salah satu objek proyek Google yang akan menyediakan Wi-Fi gratis di semua stasiun kereta.</a:t>
+            </a:r>
+          </a:p>
+          <a:p>
+            <a:pPr algn="just"/>
+            <a:endParaRPr lang="en-US" sz="2400" b="1">
+              <a:solidFill>
+                <a:schemeClr val="accent1">
+                  <a:lumMod val="20000"/>
+                  <a:lumOff val="80000"/>
+                </a:schemeClr>
+              </a:solidFill>
+            </a:endParaRPr>
+          </a:p>
+          <a:p>
+            <a:pPr algn="just"/>
+            <a:r>
+              <a:rPr lang="en-US" sz="2400" b="1">
                 <a:solidFill>
                   <a:schemeClr val="accent1">
                     <a:lumMod val="20000"/>
@@ -5150,18 +5007,278 @@
                   </a:schemeClr>
                 </a:solidFill>
               </a:rPr>
-              <a:t>, </a:t>
-            </a:r>
-            <a:r>
-              <a:rPr lang="en-US" sz="2800" b="1">
-                <a:solidFill>
-                  <a:schemeClr val="accent4"/>
-                </a:solidFill>
-              </a:rPr>
-              <a:t>programming_languages</a:t>
-            </a:r>
-            <a:r>
-              <a:rPr lang="en-US" sz="2800" b="1">
+              <a:t>Pemerintah menyatakan misinya dalam merumuskan kebijakan nasional terkait informatika untuk menjadikan India sebagai negara adidaya di bidang teknologi informasi dalam waktu sepuluh tahun. India mulai mencapai peningkatan pertumbuhan ekonomi yang signifikan pada tahun 1997 dengan angka tujuh persen. Pencapaian ini menyebabkan penurunan sepuluh persen populasi dunia.</a:t>
+            </a:r>
+            <a:endParaRPr lang="en-US" b="1">
+              <a:solidFill>
+                <a:srgbClr val="00B050"/>
+              </a:solidFill>
+            </a:endParaRPr>
+          </a:p>
+        </p:txBody>
+      </p:sp>
+      <p:sp>
+        <p:nvSpPr>
+          <p:cNvPr id="6" name="TextBox 5">
+            <a:extLst>
+              <a:ext uri="{FF2B5EF4-FFF2-40B4-BE49-F238E27FC236}">
+                <a16:creationId xmlns:a16="http://schemas.microsoft.com/office/drawing/2014/main" id="{A3AB6C0F-CCEB-486F-A9BA-00E381C682CA}"/>
+              </a:ext>
+            </a:extLst>
+          </p:cNvPr>
+          <p:cNvSpPr txBox="1"/>
+          <p:nvPr/>
+        </p:nvSpPr>
+        <p:spPr>
+          <a:xfrm>
+            <a:off x="288877" y="6017989"/>
+            <a:ext cx="11614245" cy="646331"/>
+          </a:xfrm>
+          <a:prstGeom prst="rect">
+            <a:avLst/>
+          </a:prstGeom>
+          <a:noFill/>
+        </p:spPr>
+        <p:txBody>
+          <a:bodyPr wrap="square" rtlCol="0">
+            <a:spAutoFit/>
+          </a:bodyPr>
+          <a:lstStyle/>
+          <a:p>
+            <a:pPr algn="just"/>
+            <a:r>
+              <a:rPr lang="en-US" b="1">
+                <a:solidFill>
+                  <a:srgbClr val="00B050"/>
+                </a:solidFill>
+              </a:rPr>
+              <a:t>https://m.merdeka.com/teknologi/india-adalah-negara-yang-penting-bagi-perkembangan-teknologi.html</a:t>
+            </a:r>
+          </a:p>
+          <a:p>
+            <a:pPr algn="just"/>
+            <a:r>
+              <a:rPr lang="en-US" b="1">
+                <a:solidFill>
+                  <a:srgbClr val="00B050"/>
+                </a:solidFill>
+              </a:rPr>
+              <a:t>https://majalahpajak.net/keseriusan-india-jadi-raksasa-it-dunia/</a:t>
+            </a:r>
+          </a:p>
+        </p:txBody>
+      </p:sp>
+    </p:spTree>
+    <p:extLst>
+      <p:ext uri="{BB962C8B-B14F-4D97-AF65-F5344CB8AC3E}">
+        <p14:creationId xmlns:p14="http://schemas.microsoft.com/office/powerpoint/2010/main" val="4034386904"/>
+      </p:ext>
+    </p:extLst>
+  </p:cSld>
+  <p:clrMapOvr>
+    <a:masterClrMapping/>
+  </p:clrMapOvr>
+</p:sld>
+</file>
+
+<file path=ppt/slides/slide13.xml><?xml version="1.0" encoding="utf-8"?>
+<p:sld xmlns:a="http://schemas.openxmlformats.org/drawingml/2006/main" xmlns:r="http://schemas.openxmlformats.org/officeDocument/2006/relationships" xmlns:p="http://schemas.openxmlformats.org/presentationml/2006/main">
+  <p:cSld>
+    <p:bg>
+      <p:bgPr>
+        <a:blipFill dpi="0" rotWithShape="1">
+          <a:blip r:embed="rId2">
+            <a:lum/>
+          </a:blip>
+          <a:srcRect/>
+          <a:stretch>
+            <a:fillRect/>
+          </a:stretch>
+        </a:blipFill>
+        <a:effectLst/>
+      </p:bgPr>
+    </p:bg>
+    <p:spTree>
+      <p:nvGrpSpPr>
+        <p:cNvPr id="1" name=""/>
+        <p:cNvGrpSpPr/>
+        <p:nvPr/>
+      </p:nvGrpSpPr>
+      <p:grpSpPr>
+        <a:xfrm>
+          <a:off x="0" y="0"/>
+          <a:ext cx="0" cy="0"/>
+          <a:chOff x="0" y="0"/>
+          <a:chExt cx="0" cy="0"/>
+        </a:xfrm>
+      </p:grpSpPr>
+      <p:sp>
+        <p:nvSpPr>
+          <p:cNvPr id="4" name="TextBox 3"/>
+          <p:cNvSpPr txBox="1"/>
+          <p:nvPr/>
+        </p:nvSpPr>
+        <p:spPr>
+          <a:xfrm>
+            <a:off x="341194" y="354842"/>
+            <a:ext cx="11614245" cy="646331"/>
+          </a:xfrm>
+          <a:prstGeom prst="rect">
+            <a:avLst/>
+          </a:prstGeom>
+          <a:noFill/>
+        </p:spPr>
+        <p:txBody>
+          <a:bodyPr wrap="square" rtlCol="0">
+            <a:spAutoFit/>
+          </a:bodyPr>
+          <a:lstStyle/>
+          <a:p>
+            <a:r>
+              <a:rPr lang="en-US" sz="3600" b="1">
+                <a:solidFill>
+                  <a:schemeClr val="accent4">
+                    <a:lumMod val="60000"/>
+                    <a:lumOff val="40000"/>
+                  </a:schemeClr>
+                </a:solidFill>
+              </a:rPr>
+              <a:t>Insight Pada Dataset Dari (2/5)</a:t>
+            </a:r>
+          </a:p>
+        </p:txBody>
+      </p:sp>
+      <p:sp>
+        <p:nvSpPr>
+          <p:cNvPr id="5" name="TextBox 4"/>
+          <p:cNvSpPr txBox="1"/>
+          <p:nvPr/>
+        </p:nvSpPr>
+        <p:spPr>
+          <a:xfrm>
+            <a:off x="341194" y="1339756"/>
+            <a:ext cx="11614245" cy="584775"/>
+          </a:xfrm>
+          <a:prstGeom prst="rect">
+            <a:avLst/>
+          </a:prstGeom>
+          <a:noFill/>
+        </p:spPr>
+        <p:txBody>
+          <a:bodyPr wrap="square" rtlCol="0">
+            <a:spAutoFit/>
+          </a:bodyPr>
+          <a:lstStyle/>
+          <a:p>
+            <a:pPr algn="just"/>
+            <a:r>
+              <a:rPr lang="en-US" sz="3200" b="1">
+                <a:solidFill>
+                  <a:srgbClr val="FFFF00"/>
+                </a:solidFill>
+              </a:rPr>
+              <a:t>Coursera Inc. </a:t>
+            </a:r>
+            <a:r>
+              <a:rPr lang="en-US" sz="3200" b="1">
+                <a:solidFill>
+                  <a:schemeClr val="bg1"/>
+                </a:solidFill>
+              </a:rPr>
+              <a:t>dan </a:t>
+            </a:r>
+            <a:r>
+              <a:rPr lang="en-US" sz="3200" b="1">
+                <a:solidFill>
+                  <a:srgbClr val="FFFF00"/>
+                </a:solidFill>
+              </a:rPr>
+              <a:t>Platfrom Lainnya</a:t>
+            </a:r>
+            <a:endParaRPr lang="en-US" b="1">
+              <a:solidFill>
+                <a:srgbClr val="00B050"/>
+              </a:solidFill>
+            </a:endParaRPr>
+          </a:p>
+        </p:txBody>
+      </p:sp>
+      <p:sp>
+        <p:nvSpPr>
+          <p:cNvPr id="7" name="TextBox 6">
+            <a:extLst>
+              <a:ext uri="{FF2B5EF4-FFF2-40B4-BE49-F238E27FC236}">
+                <a16:creationId xmlns:a16="http://schemas.microsoft.com/office/drawing/2014/main" id="{13558E1F-4537-437D-BAC4-756E7841323E}"/>
+              </a:ext>
+            </a:extLst>
+          </p:cNvPr>
+          <p:cNvSpPr txBox="1"/>
+          <p:nvPr/>
+        </p:nvSpPr>
+        <p:spPr>
+          <a:xfrm>
+            <a:off x="288877" y="6318492"/>
+            <a:ext cx="11614245" cy="369332"/>
+          </a:xfrm>
+          <a:prstGeom prst="rect">
+            <a:avLst/>
+          </a:prstGeom>
+          <a:noFill/>
+        </p:spPr>
+        <p:txBody>
+          <a:bodyPr wrap="square" rtlCol="0">
+            <a:spAutoFit/>
+          </a:bodyPr>
+          <a:lstStyle/>
+          <a:p>
+            <a:pPr algn="just"/>
+            <a:r>
+              <a:rPr lang="en-US" b="1">
+                <a:solidFill>
+                  <a:srgbClr val="00B050"/>
+                </a:solidFill>
+              </a:rPr>
+              <a:t>https://www.hotcourses.co.id/study-abroad-info/latest-news/kesempatan-belajar-online-gratis-dari-coursera/</a:t>
+            </a:r>
+            <a:endParaRPr lang="en-US" sz="1400" b="1">
+              <a:solidFill>
+                <a:srgbClr val="00B050"/>
+              </a:solidFill>
+            </a:endParaRPr>
+          </a:p>
+        </p:txBody>
+      </p:sp>
+      <p:sp>
+        <p:nvSpPr>
+          <p:cNvPr id="8" name="TextBox 7">
+            <a:extLst>
+              <a:ext uri="{FF2B5EF4-FFF2-40B4-BE49-F238E27FC236}">
+                <a16:creationId xmlns:a16="http://schemas.microsoft.com/office/drawing/2014/main" id="{C639A312-8B55-4D0C-9BB1-84131962F258}"/>
+              </a:ext>
+            </a:extLst>
+          </p:cNvPr>
+          <p:cNvSpPr txBox="1"/>
+          <p:nvPr/>
+        </p:nvSpPr>
+        <p:spPr>
+          <a:xfrm>
+            <a:off x="288876" y="2044019"/>
+            <a:ext cx="11614245" cy="4154984"/>
+          </a:xfrm>
+          <a:prstGeom prst="rect">
+            <a:avLst/>
+          </a:prstGeom>
+          <a:noFill/>
+        </p:spPr>
+        <p:txBody>
+          <a:bodyPr wrap="square" rtlCol="0">
+            <a:spAutoFit/>
+          </a:bodyPr>
+          <a:lstStyle/>
+          <a:p>
+            <a:pPr algn="just"/>
+            <a:r>
+              <a:rPr lang="en-US" sz="2400" b="1">
                 <a:solidFill>
                   <a:schemeClr val="accent1">
                     <a:lumMod val="20000"/>
@@ -5169,18 +5286,18 @@
                   </a:schemeClr>
                 </a:solidFill>
               </a:rPr>
-              <a:t> dan </a:t>
-            </a:r>
-            <a:r>
-              <a:rPr lang="en-US" sz="2800" b="1">
-                <a:solidFill>
-                  <a:schemeClr val="accent4"/>
-                </a:solidFill>
-              </a:rPr>
-              <a:t>current_industry </a:t>
-            </a:r>
-            <a:r>
-              <a:rPr lang="en-US" sz="2800" b="1">
+              <a:t>Menawarkan berbagai </a:t>
+            </a:r>
+            <a:r>
+              <a:rPr lang="en-US" sz="2400" b="1">
+                <a:solidFill>
+                  <a:srgbClr val="00B050"/>
+                </a:solidFill>
+              </a:rPr>
+              <a:t>kursus online</a:t>
+            </a:r>
+            <a:r>
+              <a:rPr lang="en-US" sz="2400" b="1">
                 <a:solidFill>
                   <a:schemeClr val="accent1">
                     <a:lumMod val="20000"/>
@@ -5188,18 +5305,18 @@
                   </a:schemeClr>
                 </a:solidFill>
               </a:rPr>
-              <a:t>berdasarkan </a:t>
-            </a:r>
-            <a:r>
-              <a:rPr lang="en-US" sz="2800" b="1">
-                <a:solidFill>
-                  <a:srgbClr val="00B651"/>
-                </a:solidFill>
-              </a:rPr>
-              <a:t>platforms_courses</a:t>
-            </a:r>
-            <a:r>
-              <a:rPr lang="en-US" sz="2800" b="1">
+              <a:t>, </a:t>
+            </a:r>
+            <a:r>
+              <a:rPr lang="en-US" sz="2400" b="1">
+                <a:solidFill>
+                  <a:srgbClr val="00B050"/>
+                </a:solidFill>
+              </a:rPr>
+              <a:t>program sertifikat</a:t>
+            </a:r>
+            <a:r>
+              <a:rPr lang="en-US" sz="2400" b="1">
                 <a:solidFill>
                   <a:schemeClr val="accent1">
                     <a:lumMod val="20000"/>
@@ -5207,21 +5324,18 @@
                   </a:schemeClr>
                 </a:solidFill>
               </a:rPr>
-              <a:t> </a:t>
-            </a:r>
-            <a:r>
-              <a:rPr lang="en-US" sz="2800" b="1">
-                <a:solidFill>
-                  <a:schemeClr val="accent5">
-                    <a:lumMod val="20000"/>
-                    <a:lumOff val="80000"/>
-                  </a:schemeClr>
-                </a:solidFill>
-              </a:rPr>
-              <a:t>tempat yang paling berfotensi mudah dapat pekerjaan/pengalaman?</a:t>
-            </a:r>
-            <a:r>
-              <a:rPr lang="en-US" sz="2800" b="1">
+              <a:t>, </a:t>
+            </a:r>
+            <a:r>
+              <a:rPr lang="en-US" sz="2400" b="1">
+                <a:solidFill>
+                  <a:srgbClr val="00B050"/>
+                </a:solidFill>
+              </a:rPr>
+              <a:t>program gelar</a:t>
+            </a:r>
+            <a:r>
+              <a:rPr lang="en-US" sz="2400" b="1">
                 <a:solidFill>
                   <a:schemeClr val="accent1">
                     <a:lumMod val="20000"/>
@@ -5229,15 +5343,619 @@
                   </a:schemeClr>
                 </a:solidFill>
               </a:rPr>
-              <a:t>.</a:t>
-            </a:r>
+              <a:t>, dan </a:t>
+            </a:r>
+            <a:r>
+              <a:rPr lang="en-US" sz="2400" b="1">
+                <a:solidFill>
+                  <a:srgbClr val="00B050"/>
+                </a:solidFill>
+              </a:rPr>
+              <a:t>program spesialisasi bidang studi</a:t>
+            </a:r>
+            <a:r>
+              <a:rPr lang="en-US" sz="2400" b="1">
+                <a:solidFill>
+                  <a:schemeClr val="accent1">
+                    <a:lumMod val="20000"/>
+                    <a:lumOff val="80000"/>
+                  </a:schemeClr>
+                </a:solidFill>
+              </a:rPr>
+              <a:t>. Staf pengajar Coursera dan program studi adalah para profesional berkualifikasi tinggi yang berasal dari universitas terkemuka, seperti Universitas Yale dan Universitas Duke.</a:t>
+            </a:r>
+          </a:p>
+          <a:p>
+            <a:pPr algn="just"/>
+            <a:endParaRPr lang="en-US" sz="2400" b="1">
+              <a:solidFill>
+                <a:schemeClr val="accent1">
+                  <a:lumMod val="20000"/>
+                  <a:lumOff val="80000"/>
+                </a:schemeClr>
+              </a:solidFill>
+            </a:endParaRPr>
+          </a:p>
+          <a:p>
+            <a:pPr algn="just"/>
+            <a:r>
+              <a:rPr lang="en-US" sz="2400" b="1">
+                <a:solidFill>
+                  <a:schemeClr val="accent1">
+                    <a:lumMod val="20000"/>
+                    <a:lumOff val="80000"/>
+                  </a:schemeClr>
+                </a:solidFill>
+              </a:rPr>
+              <a:t>Dengan lebih dari 1 juta siswa telah mendaftar ke Coursera dan pengalaman lebih dari 8 tahun sebagai penyedia layanan khusus, situs ini telah menjadi tempat tujuan bagi siswa yang ingin mendalami minat akademis mereka.</a:t>
+            </a:r>
+          </a:p>
+          <a:p>
+            <a:pPr algn="just"/>
+            <a:endParaRPr lang="en-US" sz="2400" b="1">
+              <a:solidFill>
+                <a:schemeClr val="accent1">
+                  <a:lumMod val="20000"/>
+                  <a:lumOff val="80000"/>
+                </a:schemeClr>
+              </a:solidFill>
+            </a:endParaRPr>
+          </a:p>
+          <a:p>
+            <a:pPr algn="just"/>
+            <a:r>
+              <a:rPr lang="en-US" sz="2400" b="1">
+                <a:solidFill>
+                  <a:schemeClr val="accent1">
+                    <a:lumMod val="20000"/>
+                    <a:lumOff val="80000"/>
+                  </a:schemeClr>
+                </a:solidFill>
+              </a:rPr>
+              <a:t>Yang membedakan </a:t>
+            </a:r>
+            <a:r>
+              <a:rPr lang="en-US" sz="2400" b="1">
+                <a:solidFill>
+                  <a:srgbClr val="FFFF00"/>
+                </a:solidFill>
+              </a:rPr>
+              <a:t>Coursera</a:t>
+            </a:r>
+            <a:r>
+              <a:rPr lang="en-US" sz="2400" b="1">
+                <a:solidFill>
+                  <a:schemeClr val="accent1">
+                    <a:lumMod val="20000"/>
+                    <a:lumOff val="80000"/>
+                  </a:schemeClr>
+                </a:solidFill>
+              </a:rPr>
+              <a:t> dengan yang lain itu dapat diakses bagi semua kalangan tanpa harus memiliki status pendidikan.</a:t>
+            </a:r>
+            <a:endParaRPr lang="en-US" sz="1400" b="1">
+              <a:solidFill>
+                <a:srgbClr val="00B050"/>
+              </a:solidFill>
+            </a:endParaRPr>
           </a:p>
         </p:txBody>
       </p:sp>
     </p:spTree>
     <p:extLst>
       <p:ext uri="{BB962C8B-B14F-4D97-AF65-F5344CB8AC3E}">
-        <p14:creationId xmlns:p14="http://schemas.microsoft.com/office/powerpoint/2010/main" val="4034386904"/>
+        <p14:creationId xmlns:p14="http://schemas.microsoft.com/office/powerpoint/2010/main" val="3987477008"/>
+      </p:ext>
+    </p:extLst>
+  </p:cSld>
+  <p:clrMapOvr>
+    <a:masterClrMapping/>
+  </p:clrMapOvr>
+</p:sld>
+</file>
+
+<file path=ppt/slides/slide14.xml><?xml version="1.0" encoding="utf-8"?>
+<p:sld xmlns:a="http://schemas.openxmlformats.org/drawingml/2006/main" xmlns:r="http://schemas.openxmlformats.org/officeDocument/2006/relationships" xmlns:p="http://schemas.openxmlformats.org/presentationml/2006/main">
+  <p:cSld>
+    <p:bg>
+      <p:bgPr>
+        <a:blipFill dpi="0" rotWithShape="1">
+          <a:blip r:embed="rId2">
+            <a:lum/>
+          </a:blip>
+          <a:srcRect/>
+          <a:stretch>
+            <a:fillRect/>
+          </a:stretch>
+        </a:blipFill>
+        <a:effectLst/>
+      </p:bgPr>
+    </p:bg>
+    <p:spTree>
+      <p:nvGrpSpPr>
+        <p:cNvPr id="1" name=""/>
+        <p:cNvGrpSpPr/>
+        <p:nvPr/>
+      </p:nvGrpSpPr>
+      <p:grpSpPr>
+        <a:xfrm>
+          <a:off x="0" y="0"/>
+          <a:ext cx="0" cy="0"/>
+          <a:chOff x="0" y="0"/>
+          <a:chExt cx="0" cy="0"/>
+        </a:xfrm>
+      </p:grpSpPr>
+      <p:sp>
+        <p:nvSpPr>
+          <p:cNvPr id="4" name="TextBox 3"/>
+          <p:cNvSpPr txBox="1"/>
+          <p:nvPr/>
+        </p:nvSpPr>
+        <p:spPr>
+          <a:xfrm>
+            <a:off x="341194" y="354842"/>
+            <a:ext cx="11614245" cy="646331"/>
+          </a:xfrm>
+          <a:prstGeom prst="rect">
+            <a:avLst/>
+          </a:prstGeom>
+          <a:noFill/>
+        </p:spPr>
+        <p:txBody>
+          <a:bodyPr wrap="square" rtlCol="0">
+            <a:spAutoFit/>
+          </a:bodyPr>
+          <a:lstStyle/>
+          <a:p>
+            <a:r>
+              <a:rPr lang="en-US" sz="3600" b="1">
+                <a:solidFill>
+                  <a:schemeClr val="accent4">
+                    <a:lumMod val="60000"/>
+                    <a:lumOff val="40000"/>
+                  </a:schemeClr>
+                </a:solidFill>
+              </a:rPr>
+              <a:t>Insight Pada Dataset Dari (3/5)</a:t>
+            </a:r>
+          </a:p>
+        </p:txBody>
+      </p:sp>
+      <p:sp>
+        <p:nvSpPr>
+          <p:cNvPr id="5" name="TextBox 4"/>
+          <p:cNvSpPr txBox="1"/>
+          <p:nvPr/>
+        </p:nvSpPr>
+        <p:spPr>
+          <a:xfrm>
+            <a:off x="288877" y="2136338"/>
+            <a:ext cx="11614245" cy="3046988"/>
+          </a:xfrm>
+          <a:prstGeom prst="rect">
+            <a:avLst/>
+          </a:prstGeom>
+          <a:noFill/>
+        </p:spPr>
+        <p:txBody>
+          <a:bodyPr wrap="square" rtlCol="0">
+            <a:spAutoFit/>
+          </a:bodyPr>
+          <a:lstStyle/>
+          <a:p>
+            <a:pPr algn="just"/>
+            <a:r>
+              <a:rPr lang="en-US" sz="2400" b="1">
+                <a:solidFill>
+                  <a:schemeClr val="accent1">
+                    <a:lumMod val="20000"/>
+                    <a:lumOff val="80000"/>
+                  </a:schemeClr>
+                </a:solidFill>
+              </a:rPr>
+              <a:t>Ketika memasuki umur 18-21 disebut generasi milenial memang sedang antusias untuk belajar dan terus mencoba karena itu pada usia produktifnya.</a:t>
+            </a:r>
+          </a:p>
+          <a:p>
+            <a:pPr algn="just"/>
+            <a:endParaRPr lang="en-US" sz="2400" b="1">
+              <a:solidFill>
+                <a:schemeClr val="accent1">
+                  <a:lumMod val="20000"/>
+                  <a:lumOff val="80000"/>
+                </a:schemeClr>
+              </a:solidFill>
+            </a:endParaRPr>
+          </a:p>
+          <a:p>
+            <a:pPr algn="just"/>
+            <a:r>
+              <a:rPr lang="en-US" sz="2400" b="1">
+                <a:solidFill>
+                  <a:schemeClr val="accent1">
+                    <a:lumMod val="20000"/>
+                    <a:lumOff val="80000"/>
+                  </a:schemeClr>
+                </a:solidFill>
+              </a:rPr>
+              <a:t>Istilah generasi millennial memang sedang akrab terdengar. Istilah tersebut berasal dari millennials yang diciptakan oleh dua pakar sejarah dan penulis Amerika, William Strauss dan Neil Howe dalam beberapa bukunya.  Millennial generation atau generasi Y juga akrab disebut generation me atau echo boomers. Secara harfiah memang tidak ada demografi khusus dalam menentukan kelompok generasi yang satu ini.</a:t>
+            </a:r>
+          </a:p>
+        </p:txBody>
+      </p:sp>
+      <p:sp>
+        <p:nvSpPr>
+          <p:cNvPr id="6" name="TextBox 5">
+            <a:extLst>
+              <a:ext uri="{FF2B5EF4-FFF2-40B4-BE49-F238E27FC236}">
+                <a16:creationId xmlns:a16="http://schemas.microsoft.com/office/drawing/2014/main" id="{E9B9A709-54DF-4F37-9177-39B149016DB6}"/>
+              </a:ext>
+            </a:extLst>
+          </p:cNvPr>
+          <p:cNvSpPr txBox="1"/>
+          <p:nvPr/>
+        </p:nvSpPr>
+        <p:spPr>
+          <a:xfrm>
+            <a:off x="288877" y="6318492"/>
+            <a:ext cx="11614245" cy="369332"/>
+          </a:xfrm>
+          <a:prstGeom prst="rect">
+            <a:avLst/>
+          </a:prstGeom>
+          <a:noFill/>
+        </p:spPr>
+        <p:txBody>
+          <a:bodyPr wrap="square" rtlCol="0">
+            <a:spAutoFit/>
+          </a:bodyPr>
+          <a:lstStyle/>
+          <a:p>
+            <a:pPr algn="just"/>
+            <a:r>
+              <a:rPr lang="en-US" b="1">
+                <a:solidFill>
+                  <a:srgbClr val="00B050"/>
+                </a:solidFill>
+              </a:rPr>
+              <a:t>https://www.kominfo.go.id/content/detail/8566/mengenal-generasi-millennial/0/sorotan_media</a:t>
+            </a:r>
+            <a:endParaRPr lang="en-US" sz="1100" b="1">
+              <a:solidFill>
+                <a:srgbClr val="00B050"/>
+              </a:solidFill>
+            </a:endParaRPr>
+          </a:p>
+        </p:txBody>
+      </p:sp>
+    </p:spTree>
+    <p:extLst>
+      <p:ext uri="{BB962C8B-B14F-4D97-AF65-F5344CB8AC3E}">
+        <p14:creationId xmlns:p14="http://schemas.microsoft.com/office/powerpoint/2010/main" val="2079160684"/>
+      </p:ext>
+    </p:extLst>
+  </p:cSld>
+  <p:clrMapOvr>
+    <a:masterClrMapping/>
+  </p:clrMapOvr>
+</p:sld>
+</file>
+
+<file path=ppt/slides/slide15.xml><?xml version="1.0" encoding="utf-8"?>
+<p:sld xmlns:a="http://schemas.openxmlformats.org/drawingml/2006/main" xmlns:r="http://schemas.openxmlformats.org/officeDocument/2006/relationships" xmlns:p="http://schemas.openxmlformats.org/presentationml/2006/main">
+  <p:cSld>
+    <p:bg>
+      <p:bgPr>
+        <a:blipFill dpi="0" rotWithShape="1">
+          <a:blip r:embed="rId2">
+            <a:lum/>
+          </a:blip>
+          <a:srcRect/>
+          <a:stretch>
+            <a:fillRect/>
+          </a:stretch>
+        </a:blipFill>
+        <a:effectLst/>
+      </p:bgPr>
+    </p:bg>
+    <p:spTree>
+      <p:nvGrpSpPr>
+        <p:cNvPr id="1" name=""/>
+        <p:cNvGrpSpPr/>
+        <p:nvPr/>
+      </p:nvGrpSpPr>
+      <p:grpSpPr>
+        <a:xfrm>
+          <a:off x="0" y="0"/>
+          <a:ext cx="0" cy="0"/>
+          <a:chOff x="0" y="0"/>
+          <a:chExt cx="0" cy="0"/>
+        </a:xfrm>
+      </p:grpSpPr>
+      <p:sp>
+        <p:nvSpPr>
+          <p:cNvPr id="4" name="TextBox 3"/>
+          <p:cNvSpPr txBox="1"/>
+          <p:nvPr/>
+        </p:nvSpPr>
+        <p:spPr>
+          <a:xfrm>
+            <a:off x="341194" y="354842"/>
+            <a:ext cx="11614245" cy="646331"/>
+          </a:xfrm>
+          <a:prstGeom prst="rect">
+            <a:avLst/>
+          </a:prstGeom>
+          <a:noFill/>
+        </p:spPr>
+        <p:txBody>
+          <a:bodyPr wrap="square" rtlCol="0">
+            <a:spAutoFit/>
+          </a:bodyPr>
+          <a:lstStyle/>
+          <a:p>
+            <a:r>
+              <a:rPr lang="en-US" sz="3600" b="1">
+                <a:solidFill>
+                  <a:schemeClr val="accent4">
+                    <a:lumMod val="60000"/>
+                    <a:lumOff val="40000"/>
+                  </a:schemeClr>
+                </a:solidFill>
+              </a:rPr>
+              <a:t>Insight Pada Dataset Dari (4/5)</a:t>
+            </a:r>
+          </a:p>
+        </p:txBody>
+      </p:sp>
+      <p:sp>
+        <p:nvSpPr>
+          <p:cNvPr id="5" name="TextBox 4"/>
+          <p:cNvSpPr txBox="1"/>
+          <p:nvPr/>
+        </p:nvSpPr>
+        <p:spPr>
+          <a:xfrm>
+            <a:off x="288878" y="2274838"/>
+            <a:ext cx="11614245" cy="1938992"/>
+          </a:xfrm>
+          <a:prstGeom prst="rect">
+            <a:avLst/>
+          </a:prstGeom>
+          <a:noFill/>
+        </p:spPr>
+        <p:txBody>
+          <a:bodyPr wrap="square" rtlCol="0">
+            <a:spAutoFit/>
+          </a:bodyPr>
+          <a:lstStyle/>
+          <a:p>
+            <a:pPr algn="just"/>
+            <a:r>
+              <a:rPr lang="en-US" sz="2400" b="1">
+                <a:solidFill>
+                  <a:schemeClr val="accent1">
+                    <a:lumMod val="20000"/>
+                    <a:lumOff val="80000"/>
+                  </a:schemeClr>
+                </a:solidFill>
+              </a:rPr>
+              <a:t>Teknologi memudahkan aktivitas bisnis, karena itu sekarang ini permintaan pekerja IT terus bertambah. Nggak tanggung-tanggung tawaran gajinya juga terbilang tinggi. Berdasarkan Salary Survey 2021-2022 yang diterbitkan HRDBacot, IT menempati 5 besar bidang pekerjaan dengan penghasilan tertinggi, dengan kisaran gaji mencapai 6-13,8 juta Rupiah per bulan.</a:t>
+            </a:r>
+          </a:p>
+        </p:txBody>
+      </p:sp>
+      <p:sp>
+        <p:nvSpPr>
+          <p:cNvPr id="6" name="TextBox 5">
+            <a:extLst>
+              <a:ext uri="{FF2B5EF4-FFF2-40B4-BE49-F238E27FC236}">
+                <a16:creationId xmlns:a16="http://schemas.microsoft.com/office/drawing/2014/main" id="{96F8F841-5C8F-4689-8011-44623A260A2A}"/>
+              </a:ext>
+            </a:extLst>
+          </p:cNvPr>
+          <p:cNvSpPr txBox="1"/>
+          <p:nvPr/>
+        </p:nvSpPr>
+        <p:spPr>
+          <a:xfrm>
+            <a:off x="236561" y="6064156"/>
+            <a:ext cx="11614245" cy="646331"/>
+          </a:xfrm>
+          <a:prstGeom prst="rect">
+            <a:avLst/>
+          </a:prstGeom>
+          <a:noFill/>
+        </p:spPr>
+        <p:txBody>
+          <a:bodyPr wrap="square" rtlCol="0">
+            <a:spAutoFit/>
+          </a:bodyPr>
+          <a:lstStyle/>
+          <a:p>
+            <a:pPr algn="just"/>
+            <a:r>
+              <a:rPr lang="en-US" b="1">
+                <a:solidFill>
+                  <a:srgbClr val="00B050"/>
+                </a:solidFill>
+              </a:rPr>
+              <a:t>http://komputerisasi-akuntansi-d4.stekom.ac.id/informasi/baca/Keterampilan-Kerja-di-Bidang-Teknologi-Paling-Dibutuhkan-Tahun-2022/a2dc700062217b063b1f09d04dbd71e91c2e0290</a:t>
+            </a:r>
+            <a:endParaRPr lang="en-US" sz="1000" b="1">
+              <a:solidFill>
+                <a:srgbClr val="00B050"/>
+              </a:solidFill>
+            </a:endParaRPr>
+          </a:p>
+        </p:txBody>
+      </p:sp>
+    </p:spTree>
+    <p:extLst>
+      <p:ext uri="{BB962C8B-B14F-4D97-AF65-F5344CB8AC3E}">
+        <p14:creationId xmlns:p14="http://schemas.microsoft.com/office/powerpoint/2010/main" val="2389957120"/>
+      </p:ext>
+    </p:extLst>
+  </p:cSld>
+  <p:clrMapOvr>
+    <a:masterClrMapping/>
+  </p:clrMapOvr>
+</p:sld>
+</file>
+
+<file path=ppt/slides/slide16.xml><?xml version="1.0" encoding="utf-8"?>
+<p:sld xmlns:a="http://schemas.openxmlformats.org/drawingml/2006/main" xmlns:r="http://schemas.openxmlformats.org/officeDocument/2006/relationships" xmlns:p="http://schemas.openxmlformats.org/presentationml/2006/main">
+  <p:cSld>
+    <p:bg>
+      <p:bgPr>
+        <a:blipFill dpi="0" rotWithShape="1">
+          <a:blip r:embed="rId2">
+            <a:lum/>
+          </a:blip>
+          <a:srcRect/>
+          <a:stretch>
+            <a:fillRect/>
+          </a:stretch>
+        </a:blipFill>
+        <a:effectLst/>
+      </p:bgPr>
+    </p:bg>
+    <p:spTree>
+      <p:nvGrpSpPr>
+        <p:cNvPr id="1" name=""/>
+        <p:cNvGrpSpPr/>
+        <p:nvPr/>
+      </p:nvGrpSpPr>
+      <p:grpSpPr>
+        <a:xfrm>
+          <a:off x="0" y="0"/>
+          <a:ext cx="0" cy="0"/>
+          <a:chOff x="0" y="0"/>
+          <a:chExt cx="0" cy="0"/>
+        </a:xfrm>
+      </p:grpSpPr>
+      <p:sp>
+        <p:nvSpPr>
+          <p:cNvPr id="4" name="TextBox 3"/>
+          <p:cNvSpPr txBox="1"/>
+          <p:nvPr/>
+        </p:nvSpPr>
+        <p:spPr>
+          <a:xfrm>
+            <a:off x="341194" y="354842"/>
+            <a:ext cx="11614245" cy="646331"/>
+          </a:xfrm>
+          <a:prstGeom prst="rect">
+            <a:avLst/>
+          </a:prstGeom>
+          <a:noFill/>
+        </p:spPr>
+        <p:txBody>
+          <a:bodyPr wrap="square" rtlCol="0">
+            <a:spAutoFit/>
+          </a:bodyPr>
+          <a:lstStyle/>
+          <a:p>
+            <a:r>
+              <a:rPr lang="en-US" sz="3600" b="1">
+                <a:solidFill>
+                  <a:schemeClr val="accent4">
+                    <a:lumMod val="60000"/>
+                    <a:lumOff val="40000"/>
+                  </a:schemeClr>
+                </a:solidFill>
+              </a:rPr>
+              <a:t>Insight Pada Dataset Dari (5/5)</a:t>
+            </a:r>
+          </a:p>
+        </p:txBody>
+      </p:sp>
+      <p:sp>
+        <p:nvSpPr>
+          <p:cNvPr id="5" name="TextBox 4"/>
+          <p:cNvSpPr txBox="1"/>
+          <p:nvPr/>
+        </p:nvSpPr>
+        <p:spPr>
+          <a:xfrm>
+            <a:off x="341194" y="2459504"/>
+            <a:ext cx="11614245" cy="1938992"/>
+          </a:xfrm>
+          <a:prstGeom prst="rect">
+            <a:avLst/>
+          </a:prstGeom>
+          <a:noFill/>
+        </p:spPr>
+        <p:txBody>
+          <a:bodyPr wrap="square" rtlCol="0">
+            <a:spAutoFit/>
+          </a:bodyPr>
+          <a:lstStyle/>
+          <a:p>
+            <a:pPr algn="just"/>
+            <a:r>
+              <a:rPr lang="en-US" sz="2400" b="1">
+                <a:solidFill>
+                  <a:schemeClr val="accent1">
+                    <a:lumMod val="20000"/>
+                    <a:lumOff val="80000"/>
+                  </a:schemeClr>
+                </a:solidFill>
+              </a:rPr>
+              <a:t>Perubahan yang sangat cepat dan drastis seringkali menuntut perusahaan-perusahaan masa kini untuk bergerak dengan sangat cepat agar tidak tertinggal dengan para kompetitornya. Ini juga membuat perusahaan atau tempat kerja yang berorientasi masih sangat tradisional dengan susunan hierarki yang sangat mengikat menjadi semakin pudar ditelan masa, berapa lama para pekerja di komputer teknologi belajar.</a:t>
+            </a:r>
+          </a:p>
+        </p:txBody>
+      </p:sp>
+      <p:sp>
+        <p:nvSpPr>
+          <p:cNvPr id="6" name="TextBox 5">
+            <a:extLst>
+              <a:ext uri="{FF2B5EF4-FFF2-40B4-BE49-F238E27FC236}">
+                <a16:creationId xmlns:a16="http://schemas.microsoft.com/office/drawing/2014/main" id="{A4C38DFE-17FA-4C63-AAAF-2ABD961C738E}"/>
+              </a:ext>
+            </a:extLst>
+          </p:cNvPr>
+          <p:cNvSpPr txBox="1"/>
+          <p:nvPr/>
+        </p:nvSpPr>
+        <p:spPr>
+          <a:xfrm>
+            <a:off x="288877" y="6318492"/>
+            <a:ext cx="11614245" cy="369332"/>
+          </a:xfrm>
+          <a:prstGeom prst="rect">
+            <a:avLst/>
+          </a:prstGeom>
+          <a:noFill/>
+        </p:spPr>
+        <p:txBody>
+          <a:bodyPr wrap="square" rtlCol="0">
+            <a:spAutoFit/>
+          </a:bodyPr>
+          <a:lstStyle/>
+          <a:p>
+            <a:pPr algn="just"/>
+            <a:r>
+              <a:rPr lang="en-US" b="1">
+                <a:solidFill>
+                  <a:srgbClr val="00B050"/>
+                </a:solidFill>
+              </a:rPr>
+              <a:t>https://www.studilmu.com/blogs/details/peran-teknologi-informasi-dan-dunia-kerja-di-masa-depan</a:t>
+            </a:r>
+            <a:endParaRPr lang="en-US" sz="1000" b="1">
+              <a:solidFill>
+                <a:srgbClr val="00B050"/>
+              </a:solidFill>
+            </a:endParaRPr>
+          </a:p>
+        </p:txBody>
+      </p:sp>
+    </p:spTree>
+    <p:extLst>
+      <p:ext uri="{BB962C8B-B14F-4D97-AF65-F5344CB8AC3E}">
+        <p14:creationId xmlns:p14="http://schemas.microsoft.com/office/powerpoint/2010/main" val="2400744640"/>
       </p:ext>
     </p:extLst>
   </p:cSld>
